--- a/DataTypes/DataTypes.pptx
+++ b/DataTypes/DataTypes.pptx
@@ -231,7 +231,7 @@
           <a:p>
             <a:fld id="{19104133-B5B0-4351-8158-4F0E5EB1E2BF}" type="datetimeFigureOut">
               <a:rPr lang="en-US" smtClean="0"/>
-              <a:t>9/6/2022</a:t>
+              <a:t>9/4/2024</a:t>
             </a:fld>
             <a:endParaRPr lang="en-US"/>
           </a:p>
@@ -2699,7 +2699,7 @@
             <a:fld id="{1C2D31DE-C454-491C-B5C3-F097855E3DF7}" type="datetime4">
               <a:rPr lang="en-US" smtClean="0"/>
               <a:pPr/>
-              <a:t>September 6, 2022</a:t>
+              <a:t>September 4, 2024</a:t>
             </a:fld>
             <a:endParaRPr lang="en-US" dirty="0"/>
           </a:p>
@@ -6091,7 +6091,7 @@
           <a:p>
             <a:fld id="{5958763E-B898-436D-883D-03711491D54A}" type="datetimeFigureOut">
               <a:rPr lang="en-US" smtClean="0"/>
-              <a:t>9/6/2022</a:t>
+              <a:t>9/4/2024</a:t>
             </a:fld>
             <a:endParaRPr lang="en-US"/>
           </a:p>
@@ -6284,7 +6284,7 @@
           <a:p>
             <a:fld id="{5958763E-B898-436D-883D-03711491D54A}" type="datetimeFigureOut">
               <a:rPr lang="en-US" smtClean="0"/>
-              <a:t>9/6/2022</a:t>
+              <a:t>9/4/2024</a:t>
             </a:fld>
             <a:endParaRPr lang="en-US"/>
           </a:p>
@@ -6534,7 +6534,7 @@
           <a:p>
             <a:fld id="{5958763E-B898-436D-883D-03711491D54A}" type="datetimeFigureOut">
               <a:rPr lang="en-US" smtClean="0"/>
-              <a:t>9/6/2022</a:t>
+              <a:t>9/4/2024</a:t>
             </a:fld>
             <a:endParaRPr lang="en-US"/>
           </a:p>
@@ -6882,7 +6882,7 @@
           <a:p>
             <a:fld id="{5958763E-B898-436D-883D-03711491D54A}" type="datetimeFigureOut">
               <a:rPr lang="en-US" smtClean="0"/>
-              <a:t>9/6/2022</a:t>
+              <a:t>9/4/2024</a:t>
             </a:fld>
             <a:endParaRPr lang="en-US"/>
           </a:p>
@@ -7298,7 +7298,7 @@
           <a:p>
             <a:fld id="{5958763E-B898-436D-883D-03711491D54A}" type="datetimeFigureOut">
               <a:rPr lang="en-US" smtClean="0"/>
-              <a:t>9/6/2022</a:t>
+              <a:t>9/4/2024</a:t>
             </a:fld>
             <a:endParaRPr lang="en-US"/>
           </a:p>
@@ -7799,7 +7799,7 @@
           <a:p>
             <a:fld id="{5958763E-B898-436D-883D-03711491D54A}" type="datetimeFigureOut">
               <a:rPr lang="en-US" smtClean="0"/>
-              <a:t>9/6/2022</a:t>
+              <a:t>9/4/2024</a:t>
             </a:fld>
             <a:endParaRPr lang="en-US"/>
           </a:p>
@@ -8250,7 +8250,7 @@
           <a:p>
             <a:fld id="{5958763E-B898-436D-883D-03711491D54A}" type="datetimeFigureOut">
               <a:rPr lang="en-US" smtClean="0"/>
-              <a:t>9/6/2022</a:t>
+              <a:t>9/4/2024</a:t>
             </a:fld>
             <a:endParaRPr lang="en-US"/>
           </a:p>
@@ -8861,7 +8861,7 @@
           <a:p>
             <a:fld id="{5958763E-B898-436D-883D-03711491D54A}" type="datetimeFigureOut">
               <a:rPr lang="en-US" smtClean="0"/>
-              <a:t>9/6/2022</a:t>
+              <a:t>9/4/2024</a:t>
             </a:fld>
             <a:endParaRPr lang="en-US"/>
           </a:p>
@@ -9632,7 +9632,7 @@
           <a:p>
             <a:fld id="{5958763E-B898-436D-883D-03711491D54A}" type="datetimeFigureOut">
               <a:rPr lang="en-US" smtClean="0"/>
-              <a:t>9/6/2022</a:t>
+              <a:t>9/4/2024</a:t>
             </a:fld>
             <a:endParaRPr lang="en-US"/>
           </a:p>
@@ -9736,7 +9736,7 @@
           <a:p>
             <a:fld id="{5958763E-B898-436D-883D-03711491D54A}" type="datetimeFigureOut">
               <a:rPr lang="en-US" smtClean="0"/>
-              <a:t>9/6/2022</a:t>
+              <a:t>9/4/2024</a:t>
             </a:fld>
             <a:endParaRPr lang="en-US"/>
           </a:p>
@@ -10063,7 +10063,7 @@
             <a:fld id="{1C2D31DE-C454-491C-B5C3-F097855E3DF7}" type="datetime4">
               <a:rPr lang="en-US" smtClean="0"/>
               <a:pPr/>
-              <a:t>September 6, 2022</a:t>
+              <a:t>September 4, 2024</a:t>
             </a:fld>
             <a:endParaRPr lang="en-US" dirty="0"/>
           </a:p>
@@ -13215,7 +13215,7 @@
           <a:p>
             <a:fld id="{5958763E-B898-436D-883D-03711491D54A}" type="datetimeFigureOut">
               <a:rPr lang="en-US" smtClean="0"/>
-              <a:t>9/6/2022</a:t>
+              <a:t>9/4/2024</a:t>
             </a:fld>
             <a:endParaRPr lang="en-US"/>
           </a:p>
@@ -13339,7 +13339,7 @@
           <a:p>
             <a:fld id="{5958763E-B898-436D-883D-03711491D54A}" type="datetimeFigureOut">
               <a:rPr lang="en-US" smtClean="0"/>
-              <a:t>9/6/2022</a:t>
+              <a:t>9/4/2024</a:t>
             </a:fld>
             <a:endParaRPr lang="en-US"/>
           </a:p>
@@ -13463,7 +13463,7 @@
           <a:p>
             <a:fld id="{5958763E-B898-436D-883D-03711491D54A}" type="datetimeFigureOut">
               <a:rPr lang="en-US" smtClean="0"/>
-              <a:t>9/6/2022</a:t>
+              <a:t>9/4/2024</a:t>
             </a:fld>
             <a:endParaRPr lang="en-US"/>
           </a:p>
@@ -13587,7 +13587,7 @@
           <a:p>
             <a:fld id="{5958763E-B898-436D-883D-03711491D54A}" type="datetimeFigureOut">
               <a:rPr lang="en-US" smtClean="0"/>
-              <a:t>9/6/2022</a:t>
+              <a:t>9/4/2024</a:t>
             </a:fld>
             <a:endParaRPr lang="en-US"/>
           </a:p>
@@ -13711,7 +13711,7 @@
           <a:p>
             <a:fld id="{5958763E-B898-436D-883D-03711491D54A}" type="datetimeFigureOut">
               <a:rPr lang="en-US" smtClean="0"/>
-              <a:t>9/6/2022</a:t>
+              <a:t>9/4/2024</a:t>
             </a:fld>
             <a:endParaRPr lang="en-US"/>
           </a:p>
@@ -13835,7 +13835,7 @@
           <a:p>
             <a:fld id="{5958763E-B898-436D-883D-03711491D54A}" type="datetimeFigureOut">
               <a:rPr lang="en-US" smtClean="0"/>
-              <a:t>9/6/2022</a:t>
+              <a:t>9/4/2024</a:t>
             </a:fld>
             <a:endParaRPr lang="en-US"/>
           </a:p>
@@ -13959,7 +13959,7 @@
           <a:p>
             <a:fld id="{5958763E-B898-436D-883D-03711491D54A}" type="datetimeFigureOut">
               <a:rPr lang="en-US" smtClean="0"/>
-              <a:t>9/6/2022</a:t>
+              <a:t>9/4/2024</a:t>
             </a:fld>
             <a:endParaRPr lang="en-US"/>
           </a:p>
@@ -14083,7 +14083,7 @@
           <a:p>
             <a:fld id="{5958763E-B898-436D-883D-03711491D54A}" type="datetimeFigureOut">
               <a:rPr lang="en-US" smtClean="0"/>
-              <a:t>9/6/2022</a:t>
+              <a:t>9/4/2024</a:t>
             </a:fld>
             <a:endParaRPr lang="en-US"/>
           </a:p>
@@ -14216,7 +14216,7 @@
           <a:p>
             <a:fld id="{5958763E-B898-436D-883D-03711491D54A}" type="datetimeFigureOut">
               <a:rPr lang="en-US" smtClean="0"/>
-              <a:t>9/6/2022</a:t>
+              <a:t>9/4/2024</a:t>
             </a:fld>
             <a:endParaRPr lang="en-US"/>
           </a:p>
@@ -17555,7 +17555,7 @@
             <a:fld id="{1C2D31DE-C454-491C-B5C3-F097855E3DF7}" type="datetime4">
               <a:rPr lang="en-US" smtClean="0"/>
               <a:pPr/>
-              <a:t>September 6, 2022</a:t>
+              <a:t>September 4, 2024</a:t>
             </a:fld>
             <a:endParaRPr lang="en-US" dirty="0"/>
           </a:p>
@@ -29791,7 +29791,7 @@
           <a:p>
             <a:fld id="{5958763E-B898-436D-883D-03711491D54A}" type="datetimeFigureOut">
               <a:rPr lang="en-US" smtClean="0"/>
-              <a:t>9/6/2022</a:t>
+              <a:t>9/4/2024</a:t>
             </a:fld>
             <a:endParaRPr lang="en-US"/>
           </a:p>
@@ -30193,7 +30193,7 @@
           <a:p>
             <a:fld id="{5958763E-B898-436D-883D-03711491D54A}" type="datetimeFigureOut">
               <a:rPr lang="en-US" smtClean="0"/>
-              <a:t>9/6/2022</a:t>
+              <a:t>9/4/2024</a:t>
             </a:fld>
             <a:endParaRPr lang="en-US"/>
           </a:p>
@@ -30487,7 +30487,7 @@
           <a:p>
             <a:fld id="{5958763E-B898-436D-883D-03711491D54A}" type="datetimeFigureOut">
               <a:rPr lang="en-US" smtClean="0"/>
-              <a:t>9/6/2022</a:t>
+              <a:t>9/4/2024</a:t>
             </a:fld>
             <a:endParaRPr lang="en-US"/>
           </a:p>
@@ -30688,7 +30688,7 @@
           <a:p>
             <a:fld id="{5958763E-B898-436D-883D-03711491D54A}" type="datetimeFigureOut">
               <a:rPr lang="en-US" smtClean="0"/>
-              <a:t>9/6/2022</a:t>
+              <a:t>9/4/2024</a:t>
             </a:fld>
             <a:endParaRPr lang="en-US"/>
           </a:p>
@@ -30949,7 +30949,7 @@
           <a:p>
             <a:fld id="{5958763E-B898-436D-883D-03711491D54A}" type="datetimeFigureOut">
               <a:rPr lang="en-US" smtClean="0"/>
-              <a:t>9/6/2022</a:t>
+              <a:t>9/4/2024</a:t>
             </a:fld>
             <a:endParaRPr lang="en-US"/>
           </a:p>
@@ -31457,7 +31457,7 @@
           <a:p>
             <a:fld id="{5958763E-B898-436D-883D-03711491D54A}" type="datetimeFigureOut">
               <a:rPr lang="en-US" smtClean="0"/>
-              <a:t>9/6/2022</a:t>
+              <a:t>9/4/2024</a:t>
             </a:fld>
             <a:endParaRPr lang="en-US"/>
           </a:p>
@@ -31936,7 +31936,7 @@
           <a:p>
             <a:fld id="{5958763E-B898-436D-883D-03711491D54A}" type="datetimeFigureOut">
               <a:rPr lang="en-US" smtClean="0"/>
-              <a:t>9/6/2022</a:t>
+              <a:t>9/4/2024</a:t>
             </a:fld>
             <a:endParaRPr lang="en-US"/>
           </a:p>
@@ -32755,7 +32755,7 @@
           <a:p>
             <a:fld id="{5958763E-B898-436D-883D-03711491D54A}" type="datetimeFigureOut">
               <a:rPr lang="en-US" smtClean="0"/>
-              <a:t>9/6/2022</a:t>
+              <a:t>9/4/2024</a:t>
             </a:fld>
             <a:endParaRPr lang="en-US"/>
           </a:p>
@@ -32956,7 +32956,7 @@
           <a:p>
             <a:fld id="{5958763E-B898-436D-883D-03711491D54A}" type="datetimeFigureOut">
               <a:rPr lang="en-US" smtClean="0"/>
-              <a:t>9/6/2022</a:t>
+              <a:t>9/4/2024</a:t>
             </a:fld>
             <a:endParaRPr lang="en-US"/>
           </a:p>
@@ -33291,7 +33291,7 @@
           <a:p>
             <a:fld id="{5958763E-B898-436D-883D-03711491D54A}" type="datetimeFigureOut">
               <a:rPr lang="en-US" smtClean="0"/>
-              <a:t>9/6/2022</a:t>
+              <a:t>9/4/2024</a:t>
             </a:fld>
             <a:endParaRPr lang="en-US"/>
           </a:p>
@@ -33521,7 +33521,7 @@
           <a:p>
             <a:fld id="{5958763E-B898-436D-883D-03711491D54A}" type="datetimeFigureOut">
               <a:rPr lang="en-US" smtClean="0"/>
-              <a:t>9/6/2022</a:t>
+              <a:t>9/4/2024</a:t>
             </a:fld>
             <a:endParaRPr lang="en-US"/>
           </a:p>
@@ -33765,7 +33765,7 @@
           <a:p>
             <a:fld id="{5958763E-B898-436D-883D-03711491D54A}" type="datetimeFigureOut">
               <a:rPr lang="en-US" smtClean="0"/>
-              <a:t>9/6/2022</a:t>
+              <a:t>9/4/2024</a:t>
             </a:fld>
             <a:endParaRPr lang="en-US"/>
           </a:p>
@@ -39608,7 +39608,7 @@
               <a:rPr lang="en-US" sz="8800" dirty="0">
                 <a:hlinkClick r:id="rId3"/>
               </a:rPr>
-              <a:t>https://replit.com/@HylandOutreach/NumberConversionExample</a:t>
+              <a:t>https://jsfiddle.net/0gahj5sw/</a:t>
             </a:r>
             <a:endParaRPr lang="en-US" sz="8800" dirty="0"/>
           </a:p>
@@ -44672,7 +44672,13 @@
               <a:rPr lang="en-US" sz="8800" dirty="0">
                 <a:hlinkClick r:id="rId3"/>
               </a:rPr>
-              <a:t>https://replit.com/@HylandOutreach/TemplateLiteralExample#script.js</a:t>
+              <a:t>https://jsfiddle.net/</a:t>
+            </a:r>
+            <a:r>
+              <a:rPr lang="en-US" sz="8800">
+                <a:hlinkClick r:id="rId3"/>
+              </a:rPr>
+              <a:t>68em5oq2/</a:t>
             </a:r>
             <a:endParaRPr lang="en-US" sz="8800" dirty="0"/>
           </a:p>
